--- a/statische-code-analyse-mit-codenarc/codenarc-gearconf-2011.pptx
+++ b/statische-code-analyse-mit-codenarc/codenarc-gearconf-2011.pptx
@@ -243,7 +243,7 @@
             <a:fld id="{E4B7E1CC-5804-4FAA-A440-E3B0242BB0EE}" type="datetimeFigureOut">
               <a:rPr lang="de-DE" smtClean="0"/>
               <a:pPr/>
-              <a:t>08.07.2011</a:t>
+              <a:t>08.09.2011</a:t>
             </a:fld>
             <a:endParaRPr lang="de-DE"/>
           </a:p>
@@ -407,7 +407,7 @@
             <a:fld id="{600A7168-685E-42A5-A6B5-B6E3AF6AADAA}" type="datetimeFigureOut">
               <a:rPr lang="de-DE" smtClean="0"/>
               <a:pPr/>
-              <a:t>08.07.2011</a:t>
+              <a:t>08.09.2011</a:t>
             </a:fld>
             <a:endParaRPr lang="de-DE"/>
           </a:p>
@@ -15987,7 +15987,7 @@
         <p:spPr>
           <a:xfrm>
             <a:off x="2195736" y="4901098"/>
-            <a:ext cx="4752528" cy="400110"/>
+            <a:ext cx="4752528" cy="1015663"/>
           </a:xfrm>
           <a:prstGeom prst="rect">
             <a:avLst/>
@@ -16007,7 +16007,21 @@
             </a:r>
             <a:r>
               <a:rPr lang="de-DE" sz="2000" b="1" dirty="0" smtClean="0"/>
-              <a:t> 2011, Stefan Glase</a:t>
+              <a:t> 2011</a:t>
+            </a:r>
+          </a:p>
+          <a:p>
+            <a:pPr algn="ctr"/>
+            <a:r>
+              <a:rPr lang="de-DE" sz="2000" b="1" dirty="0" smtClean="0"/>
+              <a:t>Vortrag von Stefan Glase</a:t>
+            </a:r>
+          </a:p>
+          <a:p>
+            <a:pPr algn="ctr"/>
+            <a:r>
+              <a:rPr lang="de-DE" sz="2000" b="1" dirty="0" smtClean="0"/>
+              <a:t>am 10.06.2011</a:t>
             </a:r>
             <a:endParaRPr lang="de-DE" sz="2000" b="1" dirty="0"/>
           </a:p>
@@ -16109,7 +16123,7 @@
         </p:nvPicPr>
         <p:blipFill>
           <a:blip r:embed="rId2" cstate="print"/>
-          <a:srcRect l="6750" t="13937" r="84478" b="46392"/>
+          <a:srcRect/>
           <a:stretch>
             <a:fillRect/>
           </a:stretch>
@@ -17466,7 +17480,7 @@
         </p:nvPicPr>
         <p:blipFill>
           <a:blip r:embed="rId2" cstate="print"/>
-          <a:srcRect l="25421" t="8234" r="10680" b="47141"/>
+          <a:srcRect/>
           <a:stretch>
             <a:fillRect/>
           </a:stretch>
@@ -17536,7 +17550,11 @@
           <a:bodyPr/>
           <a:lstStyle/>
           <a:p>
-            <a:endParaRPr lang="de-DE"/>
+            <a:r>
+              <a:rPr lang="de-DE" dirty="0" smtClean="0"/>
+              <a:t>3</a:t>
+            </a:r>
+            <a:endParaRPr lang="de-DE" dirty="0"/>
           </a:p>
         </p:txBody>
       </p:sp>
@@ -17756,7 +17774,7 @@
         </p:nvPicPr>
         <p:blipFill>
           <a:blip r:embed="rId2" cstate="print"/>
-          <a:srcRect t="5242" r="51909" b="71221"/>
+          <a:srcRect/>
           <a:stretch>
             <a:fillRect/>
           </a:stretch>
@@ -17786,8 +17804,8 @@
           <p:nvPr/>
         </p:nvPicPr>
         <p:blipFill>
-          <a:blip r:embed="rId2" cstate="print"/>
-          <a:srcRect t="59726" r="35091" b="24358"/>
+          <a:blip r:embed="rId3" cstate="print"/>
+          <a:srcRect/>
           <a:stretch>
             <a:fillRect/>
           </a:stretch>
@@ -17894,6 +17912,10 @@
           <a:bodyPr/>
           <a:lstStyle/>
           <a:p>
+            <a:r>
+              <a:rPr lang="de-DE" dirty="0" smtClean="0"/>
+              <a:t>4</a:t>
+            </a:r>
             <a:endParaRPr lang="de-DE" dirty="0"/>
           </a:p>
         </p:txBody>
@@ -19657,7 +19679,7 @@
         </p:nvPicPr>
         <p:blipFill>
           <a:blip r:embed="rId2" cstate="print"/>
-          <a:srcRect l="3893" t="53217" r="31731" b="2818"/>
+          <a:srcRect/>
           <a:stretch>
             <a:fillRect/>
           </a:stretch>
@@ -19961,7 +19983,11 @@
           <a:bodyPr/>
           <a:lstStyle/>
           <a:p>
-            <a:endParaRPr lang="de-DE"/>
+            <a:r>
+              <a:rPr lang="de-DE" dirty="0" smtClean="0"/>
+              <a:t>5</a:t>
+            </a:r>
+            <a:endParaRPr lang="de-DE" dirty="0"/>
           </a:p>
         </p:txBody>
       </p:sp>
@@ -20379,7 +20405,11 @@
           <a:bodyPr/>
           <a:lstStyle/>
           <a:p>
-            <a:endParaRPr lang="de-DE"/>
+            <a:r>
+              <a:rPr lang="de-DE" dirty="0" smtClean="0"/>
+              <a:t>6</a:t>
+            </a:r>
+            <a:endParaRPr lang="de-DE" dirty="0"/>
           </a:p>
         </p:txBody>
       </p:sp>
@@ -21202,7 +21232,11 @@
           <a:bodyPr/>
           <a:lstStyle/>
           <a:p>
-            <a:endParaRPr lang="de-DE"/>
+            <a:r>
+              <a:rPr lang="de-DE" dirty="0" smtClean="0"/>
+              <a:t>7</a:t>
+            </a:r>
+            <a:endParaRPr lang="de-DE" dirty="0"/>
           </a:p>
         </p:txBody>
       </p:sp>
@@ -21759,9 +21793,9 @@
               <a:rPr lang="de-DE" sz="2400" dirty="0" smtClean="0">
                 <a:hlinkClick r:id="rId5"/>
               </a:rPr>
-              <a:t>https://github.com/codescape/codenarc-gearconf</a:t>
-            </a:r>
-            <a:endParaRPr lang="de-DE" sz="2400" b="1" dirty="0" smtClean="0"/>
+              <a:t>https://github.com/codescape/presentations</a:t>
+            </a:r>
+            <a:endParaRPr lang="de-DE" sz="2400" dirty="0" smtClean="0"/>
           </a:p>
           <a:p>
             <a:pPr algn="ctr">
@@ -21793,14 +21827,19 @@
               </a:lnSpc>
             </a:pPr>
             <a:r>
-              <a:rPr lang="de-DE" sz="2400" dirty="0" smtClean="0"/>
-              <a:t>@</a:t>
-            </a:r>
-            <a:r>
-              <a:rPr lang="de-DE" sz="2400" dirty="0" err="1" smtClean="0"/>
-              <a:t>caseaplace</a:t>
-            </a:r>
-            <a:endParaRPr lang="de-DE" sz="2400" dirty="0"/>
+              <a:rPr lang="de-DE" sz="2400" dirty="0" smtClean="0">
+                <a:solidFill>
+                  <a:schemeClr val="accent6"/>
+                </a:solidFill>
+                <a:hlinkClick r:id="rId6"/>
+              </a:rPr>
+              <a:t>@stefanglase</a:t>
+            </a:r>
+            <a:endParaRPr lang="de-DE" sz="2400" dirty="0">
+              <a:solidFill>
+                <a:schemeClr val="accent6"/>
+              </a:solidFill>
+            </a:endParaRPr>
           </a:p>
         </p:txBody>
       </p:sp>
@@ -22030,7 +22069,7 @@
         </p:nvPicPr>
         <p:blipFill>
           <a:blip r:embed="rId3" cstate="print"/>
-          <a:srcRect t="4367" b="22604"/>
+          <a:srcRect/>
           <a:stretch>
             <a:fillRect/>
           </a:stretch>
@@ -22251,7 +22290,11 @@
           <a:bodyPr/>
           <a:lstStyle/>
           <a:p>
-            <a:endParaRPr lang="de-DE"/>
+            <a:r>
+              <a:rPr lang="de-DE" dirty="0" smtClean="0"/>
+              <a:t>1</a:t>
+            </a:r>
+            <a:endParaRPr lang="de-DE" dirty="0"/>
           </a:p>
         </p:txBody>
       </p:sp>
@@ -23283,7 +23326,11 @@
           <a:bodyPr/>
           <a:lstStyle/>
           <a:p>
-            <a:endParaRPr lang="de-DE"/>
+            <a:r>
+              <a:rPr lang="de-DE" dirty="0" smtClean="0"/>
+              <a:t>2</a:t>
+            </a:r>
+            <a:endParaRPr lang="de-DE" dirty="0"/>
           </a:p>
         </p:txBody>
       </p:sp>
